--- a/report/자료제작용ppt/퀴즈 루틴.pptx
+++ b/report/자료제작용ppt/퀴즈 루틴.pptx
@@ -15,13 +15,14 @@
     <p:sldId id="264" r:id="rId9"/>
     <p:sldId id="263" r:id="rId10"/>
     <p:sldId id="265" r:id="rId11"/>
-    <p:sldId id="266" r:id="rId12"/>
-    <p:sldId id="267" r:id="rId13"/>
-    <p:sldId id="268" r:id="rId14"/>
-    <p:sldId id="269" r:id="rId15"/>
-    <p:sldId id="270" r:id="rId16"/>
-    <p:sldId id="271" r:id="rId17"/>
-    <p:sldId id="272" r:id="rId18"/>
+    <p:sldId id="268" r:id="rId12"/>
+    <p:sldId id="275" r:id="rId13"/>
+    <p:sldId id="273" r:id="rId14"/>
+    <p:sldId id="274" r:id="rId15"/>
+    <p:sldId id="269" r:id="rId16"/>
+    <p:sldId id="270" r:id="rId17"/>
+    <p:sldId id="271" r:id="rId18"/>
+    <p:sldId id="272" r:id="rId19"/>
   </p:sldIdLst>
   <p:sldSz cx="12192000" cy="6858000"/>
   <p:notesSz cx="6858000" cy="9144000"/>
@@ -4964,6 +4965,63 @@
           </a:p>
         </p:txBody>
       </p:sp>
+      <p:sp>
+        <p:nvSpPr>
+          <p:cNvPr id="5" name="사각형: 둥근 모서리 4">
+            <a:extLst>
+              <a:ext uri="{FF2B5EF4-FFF2-40B4-BE49-F238E27FC236}">
+                <a16:creationId xmlns:a16="http://schemas.microsoft.com/office/drawing/2014/main" id="{01DFA11B-EDB5-4951-A302-FDD0A00783F6}"/>
+              </a:ext>
+            </a:extLst>
+          </p:cNvPr>
+          <p:cNvSpPr/>
+          <p:nvPr/>
+        </p:nvSpPr>
+        <p:spPr>
+          <a:xfrm>
+            <a:off x="4945309" y="2642533"/>
+            <a:ext cx="2676087" cy="3066180"/>
+          </a:xfrm>
+          <a:prstGeom prst="roundRect">
+            <a:avLst>
+              <a:gd name="adj" fmla="val 4861"/>
+            </a:avLst>
+          </a:prstGeom>
+          <a:solidFill>
+            <a:schemeClr val="bg1">
+              <a:lumMod val="85000"/>
+              <a:alpha val="98000"/>
+            </a:schemeClr>
+          </a:solidFill>
+          <a:ln>
+            <a:noFill/>
+          </a:ln>
+        </p:spPr>
+        <p:style>
+          <a:lnRef idx="2">
+            <a:schemeClr val="accent1">
+              <a:shade val="50000"/>
+            </a:schemeClr>
+          </a:lnRef>
+          <a:fillRef idx="1">
+            <a:schemeClr val="accent1"/>
+          </a:fillRef>
+          <a:effectRef idx="0">
+            <a:schemeClr val="accent1"/>
+          </a:effectRef>
+          <a:fontRef idx="minor">
+            <a:schemeClr val="lt1"/>
+          </a:fontRef>
+        </p:style>
+        <p:txBody>
+          <a:bodyPr rtlCol="0" anchor="ctr"/>
+          <a:lstStyle/>
+          <a:p>
+            <a:pPr algn="ctr"/>
+            <a:endParaRPr lang="ko-KR" altLang="en-US" sz="1000" dirty="0"/>
+          </a:p>
+        </p:txBody>
+      </p:sp>
       <p:pic>
         <p:nvPicPr>
           <p:cNvPr id="9" name="그림 8" descr="건물이(가) 표시된 사진&#10;&#10;자동 생성된 설명">
@@ -4986,13 +5044,13 @@
               </a:ext>
             </a:extLst>
           </a:blip>
-          <a:srcRect l="13823" t="21730" r="14495" b="26242"/>
+          <a:srcRect l="13823" t="21730" r="55446" b="26242"/>
           <a:stretch/>
         </p:blipFill>
         <p:spPr>
           <a:xfrm rot="5400000">
-            <a:off x="3825378" y="1912692"/>
-            <a:ext cx="4915952" cy="2676088"/>
+            <a:off x="5225388" y="512682"/>
+            <a:ext cx="2107541" cy="2667700"/>
           </a:xfrm>
           <a:prstGeom prst="roundRect">
             <a:avLst>
@@ -5022,35 +5080,213 @@
       </p:pic>
       <p:sp>
         <p:nvSpPr>
-          <p:cNvPr id="2" name="사각형: 둥근 모서리 1">
-            <a:extLst>
-              <a:ext uri="{FF2B5EF4-FFF2-40B4-BE49-F238E27FC236}">
-                <a16:creationId xmlns:a16="http://schemas.microsoft.com/office/drawing/2014/main" id="{1AD696D8-9C21-46A0-8990-CBB8EEC3595C}"/>
-              </a:ext>
-            </a:extLst>
-          </p:cNvPr>
-          <p:cNvSpPr/>
-          <p:nvPr/>
-        </p:nvSpPr>
-        <p:spPr>
-          <a:xfrm>
-            <a:off x="4945310" y="792760"/>
-            <a:ext cx="2676088" cy="387350"/>
+          <p:cNvPr id="3" name="사각형: 둥근 모서리 2">
+            <a:extLst>
+              <a:ext uri="{FF2B5EF4-FFF2-40B4-BE49-F238E27FC236}">
+                <a16:creationId xmlns:a16="http://schemas.microsoft.com/office/drawing/2014/main" id="{A94F3ECC-CD89-4406-BAA5-D50D0A48111E}"/>
+              </a:ext>
+            </a:extLst>
+          </p:cNvPr>
+          <p:cNvSpPr/>
+          <p:nvPr/>
+        </p:nvSpPr>
+        <p:spPr>
+          <a:xfrm>
+            <a:off x="5313535" y="3085318"/>
+            <a:ext cx="792480" cy="918039"/>
           </a:xfrm>
           <a:prstGeom prst="roundRect">
-            <a:avLst>
-              <a:gd name="adj" fmla="val 26062"/>
-            </a:avLst>
-          </a:prstGeom>
-          <a:solidFill>
-            <a:schemeClr val="bg1">
-              <a:lumMod val="85000"/>
-              <a:alpha val="92000"/>
-            </a:schemeClr>
-          </a:solidFill>
-          <a:ln>
-            <a:noFill/>
-          </a:ln>
+            <a:avLst/>
+          </a:prstGeom>
+        </p:spPr>
+        <p:style>
+          <a:lnRef idx="1">
+            <a:schemeClr val="accent5"/>
+          </a:lnRef>
+          <a:fillRef idx="2">
+            <a:schemeClr val="accent5"/>
+          </a:fillRef>
+          <a:effectRef idx="1">
+            <a:schemeClr val="accent5"/>
+          </a:effectRef>
+          <a:fontRef idx="minor">
+            <a:schemeClr val="dk1"/>
+          </a:fontRef>
+        </p:style>
+        <p:txBody>
+          <a:bodyPr rtlCol="0" anchor="ctr"/>
+          <a:lstStyle/>
+          <a:p>
+            <a:pPr algn="ctr"/>
+            <a:r>
+              <a:rPr lang="en-US" altLang="ko-KR" sz="1200" dirty="0"/>
+              <a:t>OX</a:t>
+            </a:r>
+            <a:endParaRPr lang="ko-KR" altLang="en-US" sz="1200" dirty="0"/>
+          </a:p>
+        </p:txBody>
+      </p:sp>
+      <p:sp>
+        <p:nvSpPr>
+          <p:cNvPr id="7" name="사각형: 둥근 모서리 6">
+            <a:extLst>
+              <a:ext uri="{FF2B5EF4-FFF2-40B4-BE49-F238E27FC236}">
+                <a16:creationId xmlns:a16="http://schemas.microsoft.com/office/drawing/2014/main" id="{8EB1D5F5-5ABA-4A66-AAF1-AE5544CB11AF}"/>
+              </a:ext>
+            </a:extLst>
+          </p:cNvPr>
+          <p:cNvSpPr/>
+          <p:nvPr/>
+        </p:nvSpPr>
+        <p:spPr>
+          <a:xfrm>
+            <a:off x="6365829" y="3085318"/>
+            <a:ext cx="792480" cy="918039"/>
+          </a:xfrm>
+          <a:prstGeom prst="roundRect">
+            <a:avLst/>
+          </a:prstGeom>
+        </p:spPr>
+        <p:style>
+          <a:lnRef idx="1">
+            <a:schemeClr val="accent5"/>
+          </a:lnRef>
+          <a:fillRef idx="2">
+            <a:schemeClr val="accent5"/>
+          </a:fillRef>
+          <a:effectRef idx="1">
+            <a:schemeClr val="accent5"/>
+          </a:effectRef>
+          <a:fontRef idx="minor">
+            <a:schemeClr val="dk1"/>
+          </a:fontRef>
+        </p:style>
+        <p:txBody>
+          <a:bodyPr rtlCol="0" anchor="ctr"/>
+          <a:lstStyle/>
+          <a:p>
+            <a:pPr algn="ctr"/>
+            <a:r>
+              <a:rPr lang="ko-KR" altLang="en-US" sz="1200" dirty="0"/>
+              <a:t>객관식</a:t>
+            </a:r>
+          </a:p>
+        </p:txBody>
+      </p:sp>
+      <p:sp>
+        <p:nvSpPr>
+          <p:cNvPr id="8" name="사각형: 둥근 모서리 7">
+            <a:extLst>
+              <a:ext uri="{FF2B5EF4-FFF2-40B4-BE49-F238E27FC236}">
+                <a16:creationId xmlns:a16="http://schemas.microsoft.com/office/drawing/2014/main" id="{09266BED-0FE3-4FB0-8B33-00CB80B3CB13}"/>
+              </a:ext>
+            </a:extLst>
+          </p:cNvPr>
+          <p:cNvSpPr/>
+          <p:nvPr/>
+        </p:nvSpPr>
+        <p:spPr>
+          <a:xfrm>
+            <a:off x="5313535" y="4205458"/>
+            <a:ext cx="792480" cy="918039"/>
+          </a:xfrm>
+          <a:prstGeom prst="roundRect">
+            <a:avLst/>
+          </a:prstGeom>
+        </p:spPr>
+        <p:style>
+          <a:lnRef idx="1">
+            <a:schemeClr val="accent5"/>
+          </a:lnRef>
+          <a:fillRef idx="2">
+            <a:schemeClr val="accent5"/>
+          </a:fillRef>
+          <a:effectRef idx="1">
+            <a:schemeClr val="accent5"/>
+          </a:effectRef>
+          <a:fontRef idx="minor">
+            <a:schemeClr val="dk1"/>
+          </a:fontRef>
+        </p:style>
+        <p:txBody>
+          <a:bodyPr rtlCol="0" anchor="ctr"/>
+          <a:lstStyle/>
+          <a:p>
+            <a:pPr algn="ctr"/>
+            <a:r>
+              <a:rPr lang="ko-KR" altLang="en-US" sz="1200" dirty="0"/>
+              <a:t>주관식</a:t>
+            </a:r>
+          </a:p>
+        </p:txBody>
+      </p:sp>
+      <p:sp>
+        <p:nvSpPr>
+          <p:cNvPr id="10" name="사각형: 둥근 모서리 9">
+            <a:extLst>
+              <a:ext uri="{FF2B5EF4-FFF2-40B4-BE49-F238E27FC236}">
+                <a16:creationId xmlns:a16="http://schemas.microsoft.com/office/drawing/2014/main" id="{B441AB2B-46C3-4904-9FAE-478B91A972AA}"/>
+              </a:ext>
+            </a:extLst>
+          </p:cNvPr>
+          <p:cNvSpPr/>
+          <p:nvPr/>
+        </p:nvSpPr>
+        <p:spPr>
+          <a:xfrm>
+            <a:off x="6365829" y="4213079"/>
+            <a:ext cx="792480" cy="918039"/>
+          </a:xfrm>
+          <a:prstGeom prst="roundRect">
+            <a:avLst/>
+          </a:prstGeom>
+        </p:spPr>
+        <p:style>
+          <a:lnRef idx="1">
+            <a:schemeClr val="accent5"/>
+          </a:lnRef>
+          <a:fillRef idx="2">
+            <a:schemeClr val="accent5"/>
+          </a:fillRef>
+          <a:effectRef idx="1">
+            <a:schemeClr val="accent5"/>
+          </a:effectRef>
+          <a:fontRef idx="minor">
+            <a:schemeClr val="dk1"/>
+          </a:fontRef>
+        </p:style>
+        <p:txBody>
+          <a:bodyPr rtlCol="0" anchor="ctr"/>
+          <a:lstStyle/>
+          <a:p>
+            <a:pPr algn="ctr"/>
+            <a:r>
+              <a:rPr lang="ko-KR" altLang="en-US" sz="1200" dirty="0"/>
+              <a:t>지문</a:t>
+            </a:r>
+          </a:p>
+        </p:txBody>
+      </p:sp>
+      <p:sp>
+        <p:nvSpPr>
+          <p:cNvPr id="12" name="사각형: 둥근 모서리 11">
+            <a:extLst>
+              <a:ext uri="{FF2B5EF4-FFF2-40B4-BE49-F238E27FC236}">
+                <a16:creationId xmlns:a16="http://schemas.microsoft.com/office/drawing/2014/main" id="{AB5AE329-DAE8-4DA2-A330-44519FB6B500}"/>
+              </a:ext>
+            </a:extLst>
+          </p:cNvPr>
+          <p:cNvSpPr/>
+          <p:nvPr/>
+        </p:nvSpPr>
+        <p:spPr>
+          <a:xfrm>
+            <a:off x="5578834" y="5297096"/>
+            <a:ext cx="1463774" cy="236562"/>
+          </a:xfrm>
+          <a:prstGeom prst="roundRect">
+            <a:avLst/>
+          </a:prstGeom>
         </p:spPr>
         <p:style>
           <a:lnRef idx="2">
@@ -5074,312 +5310,47 @@
           <a:p>
             <a:pPr algn="ctr"/>
             <a:r>
-              <a:rPr lang="ko-KR" altLang="en-US" sz="1000" dirty="0"/>
-              <a:t>시작하는 위치를 찍어주세요</a:t>
-            </a:r>
-            <a:r>
-              <a:rPr lang="en-US" altLang="ko-KR" sz="1000" dirty="0"/>
-              <a:t>.</a:t>
-            </a:r>
-            <a:endParaRPr lang="ko-KR" altLang="en-US" sz="1000" dirty="0"/>
-          </a:p>
-        </p:txBody>
-      </p:sp>
-      <p:sp>
-        <p:nvSpPr>
-          <p:cNvPr id="5" name="사각형: 둥근 모서리 4">
-            <a:extLst>
-              <a:ext uri="{FF2B5EF4-FFF2-40B4-BE49-F238E27FC236}">
-                <a16:creationId xmlns:a16="http://schemas.microsoft.com/office/drawing/2014/main" id="{01DFA11B-EDB5-4951-A302-FDD0A00783F6}"/>
-              </a:ext>
-            </a:extLst>
-          </p:cNvPr>
-          <p:cNvSpPr/>
-          <p:nvPr/>
-        </p:nvSpPr>
-        <p:spPr>
-          <a:xfrm>
-            <a:off x="5205124" y="1783259"/>
-            <a:ext cx="2156460" cy="2865120"/>
-          </a:xfrm>
-          <a:prstGeom prst="roundRect">
-            <a:avLst>
-              <a:gd name="adj" fmla="val 4861"/>
-            </a:avLst>
-          </a:prstGeom>
-          <a:solidFill>
-            <a:schemeClr val="bg1">
-              <a:lumMod val="85000"/>
-              <a:alpha val="98000"/>
-            </a:schemeClr>
-          </a:solidFill>
-          <a:ln>
-            <a:noFill/>
-          </a:ln>
-        </p:spPr>
-        <p:style>
-          <a:lnRef idx="2">
-            <a:schemeClr val="accent1">
-              <a:shade val="50000"/>
-            </a:schemeClr>
-          </a:lnRef>
-          <a:fillRef idx="1">
-            <a:schemeClr val="accent1"/>
-          </a:fillRef>
-          <a:effectRef idx="0">
-            <a:schemeClr val="accent1"/>
-          </a:effectRef>
-          <a:fontRef idx="minor">
-            <a:schemeClr val="lt1"/>
-          </a:fontRef>
-        </p:style>
-        <p:txBody>
-          <a:bodyPr rtlCol="0" anchor="ctr"/>
-          <a:lstStyle/>
-          <a:p>
-            <a:pPr algn="ctr"/>
-            <a:endParaRPr lang="ko-KR" altLang="en-US" sz="1000" dirty="0"/>
-          </a:p>
-        </p:txBody>
-      </p:sp>
-      <p:sp>
-        <p:nvSpPr>
-          <p:cNvPr id="3" name="사각형: 둥근 모서리 2">
-            <a:extLst>
-              <a:ext uri="{FF2B5EF4-FFF2-40B4-BE49-F238E27FC236}">
-                <a16:creationId xmlns:a16="http://schemas.microsoft.com/office/drawing/2014/main" id="{A94F3ECC-CD89-4406-BAA5-D50D0A48111E}"/>
-              </a:ext>
-            </a:extLst>
-          </p:cNvPr>
-          <p:cNvSpPr/>
-          <p:nvPr/>
-        </p:nvSpPr>
-        <p:spPr>
-          <a:xfrm>
-            <a:off x="5356475" y="1982263"/>
-            <a:ext cx="792480" cy="918039"/>
-          </a:xfrm>
-          <a:prstGeom prst="roundRect">
+              <a:rPr lang="ko-KR" altLang="en-US" sz="900" dirty="0"/>
+              <a:t>나가기</a:t>
+            </a:r>
+          </a:p>
+        </p:txBody>
+      </p:sp>
+      <p:sp>
+        <p:nvSpPr>
+          <p:cNvPr id="4" name="TextBox 3">
+            <a:extLst>
+              <a:ext uri="{FF2B5EF4-FFF2-40B4-BE49-F238E27FC236}">
+                <a16:creationId xmlns:a16="http://schemas.microsoft.com/office/drawing/2014/main" id="{4C5F3857-8842-4961-BE18-0482225D790C}"/>
+              </a:ext>
+            </a:extLst>
+          </p:cNvPr>
+          <p:cNvSpPr txBox="1"/>
+          <p:nvPr/>
+        </p:nvSpPr>
+        <p:spPr>
+          <a:xfrm>
+            <a:off x="5154491" y="1685631"/>
+            <a:ext cx="2249334" cy="461665"/>
+          </a:xfrm>
+          <a:prstGeom prst="rect">
             <a:avLst/>
           </a:prstGeom>
-        </p:spPr>
-        <p:style>
-          <a:lnRef idx="1">
-            <a:schemeClr val="accent5"/>
-          </a:lnRef>
-          <a:fillRef idx="2">
-            <a:schemeClr val="accent5"/>
-          </a:fillRef>
-          <a:effectRef idx="1">
-            <a:schemeClr val="accent5"/>
-          </a:effectRef>
-          <a:fontRef idx="minor">
-            <a:schemeClr val="dk1"/>
-          </a:fontRef>
-        </p:style>
-        <p:txBody>
-          <a:bodyPr rtlCol="0" anchor="ctr"/>
-          <a:lstStyle/>
-          <a:p>
-            <a:pPr algn="ctr"/>
-            <a:r>
-              <a:rPr lang="en-US" altLang="ko-KR" sz="1200" dirty="0"/>
-              <a:t>OX</a:t>
-            </a:r>
-            <a:endParaRPr lang="ko-KR" altLang="en-US" sz="1200" dirty="0"/>
-          </a:p>
-        </p:txBody>
-      </p:sp>
-      <p:sp>
-        <p:nvSpPr>
-          <p:cNvPr id="7" name="사각형: 둥근 모서리 6">
-            <a:extLst>
-              <a:ext uri="{FF2B5EF4-FFF2-40B4-BE49-F238E27FC236}">
-                <a16:creationId xmlns:a16="http://schemas.microsoft.com/office/drawing/2014/main" id="{8EB1D5F5-5ABA-4A66-AAF1-AE5544CB11AF}"/>
-              </a:ext>
-            </a:extLst>
-          </p:cNvPr>
-          <p:cNvSpPr/>
-          <p:nvPr/>
-        </p:nvSpPr>
-        <p:spPr>
-          <a:xfrm>
-            <a:off x="6408769" y="1982263"/>
-            <a:ext cx="792480" cy="918039"/>
-          </a:xfrm>
-          <a:prstGeom prst="roundRect">
-            <a:avLst/>
-          </a:prstGeom>
-        </p:spPr>
-        <p:style>
-          <a:lnRef idx="1">
-            <a:schemeClr val="accent5"/>
-          </a:lnRef>
-          <a:fillRef idx="2">
-            <a:schemeClr val="accent5"/>
-          </a:fillRef>
-          <a:effectRef idx="1">
-            <a:schemeClr val="accent5"/>
-          </a:effectRef>
-          <a:fontRef idx="minor">
-            <a:schemeClr val="dk1"/>
-          </a:fontRef>
-        </p:style>
-        <p:txBody>
-          <a:bodyPr rtlCol="0" anchor="ctr"/>
-          <a:lstStyle/>
-          <a:p>
-            <a:pPr algn="ctr"/>
-            <a:r>
-              <a:rPr lang="ko-KR" altLang="en-US" sz="1200" dirty="0"/>
-              <a:t>객관식</a:t>
-            </a:r>
-          </a:p>
-        </p:txBody>
-      </p:sp>
-      <p:sp>
-        <p:nvSpPr>
-          <p:cNvPr id="8" name="사각형: 둥근 모서리 7">
-            <a:extLst>
-              <a:ext uri="{FF2B5EF4-FFF2-40B4-BE49-F238E27FC236}">
-                <a16:creationId xmlns:a16="http://schemas.microsoft.com/office/drawing/2014/main" id="{09266BED-0FE3-4FB0-8B33-00CB80B3CB13}"/>
-              </a:ext>
-            </a:extLst>
-          </p:cNvPr>
-          <p:cNvSpPr/>
-          <p:nvPr/>
-        </p:nvSpPr>
-        <p:spPr>
-          <a:xfrm>
-            <a:off x="5356475" y="3102403"/>
-            <a:ext cx="792480" cy="918039"/>
-          </a:xfrm>
-          <a:prstGeom prst="roundRect">
-            <a:avLst/>
-          </a:prstGeom>
-        </p:spPr>
-        <p:style>
-          <a:lnRef idx="1">
-            <a:schemeClr val="accent5"/>
-          </a:lnRef>
-          <a:fillRef idx="2">
-            <a:schemeClr val="accent5"/>
-          </a:fillRef>
-          <a:effectRef idx="1">
-            <a:schemeClr val="accent5"/>
-          </a:effectRef>
-          <a:fontRef idx="minor">
-            <a:schemeClr val="dk1"/>
-          </a:fontRef>
-        </p:style>
-        <p:txBody>
-          <a:bodyPr rtlCol="0" anchor="ctr"/>
-          <a:lstStyle/>
-          <a:p>
-            <a:pPr algn="ctr"/>
-            <a:r>
-              <a:rPr lang="ko-KR" altLang="en-US" sz="1200" dirty="0"/>
-              <a:t>주관식</a:t>
-            </a:r>
-          </a:p>
-        </p:txBody>
-      </p:sp>
-      <p:sp>
-        <p:nvSpPr>
-          <p:cNvPr id="10" name="사각형: 둥근 모서리 9">
-            <a:extLst>
-              <a:ext uri="{FF2B5EF4-FFF2-40B4-BE49-F238E27FC236}">
-                <a16:creationId xmlns:a16="http://schemas.microsoft.com/office/drawing/2014/main" id="{B441AB2B-46C3-4904-9FAE-478B91A972AA}"/>
-              </a:ext>
-            </a:extLst>
-          </p:cNvPr>
-          <p:cNvSpPr/>
-          <p:nvPr/>
-        </p:nvSpPr>
-        <p:spPr>
-          <a:xfrm>
-            <a:off x="6408769" y="3110024"/>
-            <a:ext cx="792480" cy="918039"/>
-          </a:xfrm>
-          <a:prstGeom prst="roundRect">
-            <a:avLst/>
-          </a:prstGeom>
-        </p:spPr>
-        <p:style>
-          <a:lnRef idx="1">
-            <a:schemeClr val="accent5"/>
-          </a:lnRef>
-          <a:fillRef idx="2">
-            <a:schemeClr val="accent5"/>
-          </a:fillRef>
-          <a:effectRef idx="1">
-            <a:schemeClr val="accent5"/>
-          </a:effectRef>
-          <a:fontRef idx="minor">
-            <a:schemeClr val="dk1"/>
-          </a:fontRef>
-        </p:style>
-        <p:txBody>
-          <a:bodyPr rtlCol="0" anchor="ctr"/>
-          <a:lstStyle/>
-          <a:p>
-            <a:pPr algn="ctr"/>
-            <a:r>
-              <a:rPr lang="ko-KR" altLang="en-US" sz="1200" dirty="0"/>
-              <a:t>지문</a:t>
-            </a:r>
-          </a:p>
-        </p:txBody>
-      </p:sp>
-      <p:sp>
-        <p:nvSpPr>
-          <p:cNvPr id="12" name="사각형: 둥근 모서리 11">
-            <a:extLst>
-              <a:ext uri="{FF2B5EF4-FFF2-40B4-BE49-F238E27FC236}">
-                <a16:creationId xmlns:a16="http://schemas.microsoft.com/office/drawing/2014/main" id="{AB5AE329-DAE8-4DA2-A330-44519FB6B500}"/>
-              </a:ext>
-            </a:extLst>
-          </p:cNvPr>
-          <p:cNvSpPr/>
-          <p:nvPr/>
-        </p:nvSpPr>
-        <p:spPr>
-          <a:xfrm>
-            <a:off x="5551467" y="4187361"/>
-            <a:ext cx="1463774" cy="236562"/>
-          </a:xfrm>
-          <a:prstGeom prst="roundRect">
-            <a:avLst/>
-          </a:prstGeom>
-        </p:spPr>
-        <p:style>
-          <a:lnRef idx="2">
-            <a:schemeClr val="accent1">
-              <a:shade val="50000"/>
-            </a:schemeClr>
-          </a:lnRef>
-          <a:fillRef idx="1">
-            <a:schemeClr val="accent1"/>
-          </a:fillRef>
-          <a:effectRef idx="0">
-            <a:schemeClr val="accent1"/>
-          </a:effectRef>
-          <a:fontRef idx="minor">
-            <a:schemeClr val="lt1"/>
-          </a:fontRef>
-        </p:style>
-        <p:txBody>
-          <a:bodyPr rtlCol="0" anchor="ctr"/>
-          <a:lstStyle/>
-          <a:p>
-            <a:pPr algn="ctr"/>
-            <a:r>
-              <a:rPr lang="en-US" altLang="ko-KR" sz="900" dirty="0"/>
-              <a:t> </a:t>
-            </a:r>
-            <a:r>
-              <a:rPr lang="ko-KR" altLang="en-US" sz="900" dirty="0"/>
-              <a:t>저장</a:t>
+          <a:noFill/>
+        </p:spPr>
+        <p:txBody>
+          <a:bodyPr wrap="none" rtlCol="0">
+            <a:spAutoFit/>
+          </a:bodyPr>
+          <a:lstStyle/>
+          <a:p>
+            <a:r>
+              <a:rPr lang="ko-KR" altLang="en-US" sz="2400" b="1" dirty="0">
+                <a:solidFill>
+                  <a:schemeClr val="bg1"/>
+                </a:solidFill>
+              </a:rPr>
+              <a:t>시작 위치 사진</a:t>
             </a:r>
           </a:p>
         </p:txBody>
@@ -5387,7 +5358,7 @@
     </p:spTree>
     <p:extLst>
       <p:ext uri="{BB962C8B-B14F-4D97-AF65-F5344CB8AC3E}">
-        <p14:creationId xmlns:p14="http://schemas.microsoft.com/office/powerpoint/2010/main" val="3056756432"/>
+        <p14:creationId xmlns:p14="http://schemas.microsoft.com/office/powerpoint/2010/main" val="3902423289"/>
       </p:ext>
     </p:extLst>
   </p:cSld>
@@ -5460,6 +5431,60 @@
           </a:p>
         </p:txBody>
       </p:sp>
+      <p:sp>
+        <p:nvSpPr>
+          <p:cNvPr id="12" name="사각형: 둥근 모서리 11">
+            <a:extLst>
+              <a:ext uri="{FF2B5EF4-FFF2-40B4-BE49-F238E27FC236}">
+                <a16:creationId xmlns:a16="http://schemas.microsoft.com/office/drawing/2014/main" id="{6D1DB795-70A7-42E1-AF33-AC2A15B03C8D}"/>
+              </a:ext>
+            </a:extLst>
+          </p:cNvPr>
+          <p:cNvSpPr/>
+          <p:nvPr/>
+        </p:nvSpPr>
+        <p:spPr>
+          <a:xfrm>
+            <a:off x="4945310" y="768350"/>
+            <a:ext cx="2693740" cy="4964772"/>
+          </a:xfrm>
+          <a:prstGeom prst="roundRect">
+            <a:avLst>
+              <a:gd name="adj" fmla="val 4144"/>
+            </a:avLst>
+          </a:prstGeom>
+          <a:solidFill>
+            <a:schemeClr val="bg1"/>
+          </a:solidFill>
+          <a:ln>
+            <a:noFill/>
+          </a:ln>
+        </p:spPr>
+        <p:style>
+          <a:lnRef idx="2">
+            <a:schemeClr val="accent1">
+              <a:shade val="50000"/>
+            </a:schemeClr>
+          </a:lnRef>
+          <a:fillRef idx="1">
+            <a:schemeClr val="accent1"/>
+          </a:fillRef>
+          <a:effectRef idx="0">
+            <a:schemeClr val="accent1"/>
+          </a:effectRef>
+          <a:fontRef idx="minor">
+            <a:schemeClr val="lt1"/>
+          </a:fontRef>
+        </p:style>
+        <p:txBody>
+          <a:bodyPr rtlCol="0" anchor="ctr"/>
+          <a:lstStyle/>
+          <a:p>
+            <a:pPr algn="ctr"/>
+            <a:endParaRPr lang="ko-KR" altLang="en-US"/>
+          </a:p>
+        </p:txBody>
+      </p:sp>
       <p:pic>
         <p:nvPicPr>
           <p:cNvPr id="9" name="그림 8" descr="건물이(가) 표시된 사진&#10;&#10;자동 생성된 설명">
@@ -5482,17 +5507,17 @@
               </a:ext>
             </a:extLst>
           </a:blip>
-          <a:srcRect l="13823" t="21730" r="14495" b="26242"/>
+          <a:srcRect l="46429" t="21730" r="43848" b="26242"/>
           <a:stretch/>
         </p:blipFill>
         <p:spPr>
           <a:xfrm rot="5400000">
-            <a:off x="3825378" y="1912692"/>
-            <a:ext cx="4915952" cy="2676088"/>
+            <a:off x="5958805" y="-245145"/>
+            <a:ext cx="666750" cy="2693740"/>
           </a:xfrm>
           <a:prstGeom prst="roundRect">
             <a:avLst>
-              <a:gd name="adj" fmla="val 4167"/>
+              <a:gd name="adj" fmla="val 14881"/>
             </a:avLst>
           </a:prstGeom>
           <a:solidFill>
@@ -5518,35 +5543,37 @@
       </p:pic>
       <p:sp>
         <p:nvSpPr>
-          <p:cNvPr id="2" name="사각형: 둥근 모서리 1">
-            <a:extLst>
-              <a:ext uri="{FF2B5EF4-FFF2-40B4-BE49-F238E27FC236}">
-                <a16:creationId xmlns:a16="http://schemas.microsoft.com/office/drawing/2014/main" id="{1AD696D8-9C21-46A0-8990-CBB8EEC3595C}"/>
-              </a:ext>
-            </a:extLst>
-          </p:cNvPr>
-          <p:cNvSpPr/>
-          <p:nvPr/>
-        </p:nvSpPr>
-        <p:spPr>
-          <a:xfrm>
-            <a:off x="4945310" y="792760"/>
-            <a:ext cx="2676088" cy="387350"/>
-          </a:xfrm>
-          <a:prstGeom prst="roundRect">
-            <a:avLst>
-              <a:gd name="adj" fmla="val 26062"/>
-            </a:avLst>
+          <p:cNvPr id="2" name="직사각형 1">
+            <a:extLst>
+              <a:ext uri="{FF2B5EF4-FFF2-40B4-BE49-F238E27FC236}">
+                <a16:creationId xmlns:a16="http://schemas.microsoft.com/office/drawing/2014/main" id="{5A679529-F1FB-4E83-8030-762FC7D79D67}"/>
+              </a:ext>
+            </a:extLst>
+          </p:cNvPr>
+          <p:cNvSpPr/>
+          <p:nvPr/>
+        </p:nvSpPr>
+        <p:spPr>
+          <a:xfrm>
+            <a:off x="5016500" y="1913234"/>
+            <a:ext cx="2159000" cy="332123"/>
+          </a:xfrm>
+          <a:prstGeom prst="rect">
+            <a:avLst/>
           </a:prstGeom>
           <a:solidFill>
-            <a:schemeClr val="bg1">
-              <a:lumMod val="85000"/>
-              <a:alpha val="92000"/>
-            </a:schemeClr>
+            <a:schemeClr val="bg1"/>
           </a:solidFill>
           <a:ln>
             <a:noFill/>
           </a:ln>
+          <a:effectLst>
+            <a:innerShdw blurRad="127000">
+              <a:prstClr val="black">
+                <a:alpha val="20000"/>
+              </a:prstClr>
+            </a:innerShdw>
+          </a:effectLst>
         </p:spPr>
         <p:style>
           <a:lnRef idx="2">
@@ -5569,28 +5596,496 @@
           <a:lstStyle/>
           <a:p>
             <a:pPr algn="ctr"/>
-            <a:r>
-              <a:rPr lang="ko-KR" altLang="en-US" sz="1000" dirty="0"/>
-              <a:t>다음 장소로 이동하세요</a:t>
-            </a:r>
-            <a:r>
-              <a:rPr lang="en-US" altLang="ko-KR" sz="1000" dirty="0"/>
-              <a:t>.</a:t>
-            </a:r>
-            <a:endParaRPr lang="ko-KR" altLang="en-US" sz="1000" dirty="0"/>
+            <a:endParaRPr lang="ko-KR" altLang="en-US"/>
+          </a:p>
+        </p:txBody>
+      </p:sp>
+      <p:sp>
+        <p:nvSpPr>
+          <p:cNvPr id="20" name="직사각형 19">
+            <a:extLst>
+              <a:ext uri="{FF2B5EF4-FFF2-40B4-BE49-F238E27FC236}">
+                <a16:creationId xmlns:a16="http://schemas.microsoft.com/office/drawing/2014/main" id="{EA9F50E2-E147-42D8-9385-8F25D8AEAF93}"/>
+              </a:ext>
+            </a:extLst>
+          </p:cNvPr>
+          <p:cNvSpPr/>
+          <p:nvPr/>
+        </p:nvSpPr>
+        <p:spPr>
+          <a:xfrm>
+            <a:off x="4945310" y="1503343"/>
+            <a:ext cx="2693740" cy="332123"/>
+          </a:xfrm>
+          <a:prstGeom prst="rect">
+            <a:avLst/>
+          </a:prstGeom>
+          <a:solidFill>
+            <a:schemeClr val="bg1">
+              <a:lumMod val="85000"/>
+            </a:schemeClr>
+          </a:solidFill>
+          <a:ln>
+            <a:noFill/>
+          </a:ln>
+        </p:spPr>
+        <p:style>
+          <a:lnRef idx="2">
+            <a:schemeClr val="accent1">
+              <a:shade val="50000"/>
+            </a:schemeClr>
+          </a:lnRef>
+          <a:fillRef idx="1">
+            <a:schemeClr val="accent1"/>
+          </a:fillRef>
+          <a:effectRef idx="0">
+            <a:schemeClr val="accent1"/>
+          </a:effectRef>
+          <a:fontRef idx="minor">
+            <a:schemeClr val="lt1"/>
+          </a:fontRef>
+        </p:style>
+        <p:txBody>
+          <a:bodyPr rtlCol="0" anchor="ctr"/>
+          <a:lstStyle/>
+          <a:p>
+            <a:r>
+              <a:rPr lang="ko-KR" altLang="en-US" sz="1600" dirty="0">
+                <a:solidFill>
+                  <a:schemeClr val="tx1"/>
+                </a:solidFill>
+              </a:rPr>
+              <a:t>이름</a:t>
+            </a:r>
+          </a:p>
+        </p:txBody>
+      </p:sp>
+      <p:sp>
+        <p:nvSpPr>
+          <p:cNvPr id="25" name="직사각형 24">
+            <a:extLst>
+              <a:ext uri="{FF2B5EF4-FFF2-40B4-BE49-F238E27FC236}">
+                <a16:creationId xmlns:a16="http://schemas.microsoft.com/office/drawing/2014/main" id="{5AFF6996-4506-4F69-81C9-BEC5D9C8E290}"/>
+              </a:ext>
+            </a:extLst>
+          </p:cNvPr>
+          <p:cNvSpPr/>
+          <p:nvPr/>
+        </p:nvSpPr>
+        <p:spPr>
+          <a:xfrm>
+            <a:off x="4945310" y="3344227"/>
+            <a:ext cx="2693740" cy="332123"/>
+          </a:xfrm>
+          <a:prstGeom prst="rect">
+            <a:avLst/>
+          </a:prstGeom>
+          <a:solidFill>
+            <a:schemeClr val="bg1">
+              <a:lumMod val="85000"/>
+            </a:schemeClr>
+          </a:solidFill>
+          <a:ln>
+            <a:noFill/>
+          </a:ln>
+        </p:spPr>
+        <p:style>
+          <a:lnRef idx="2">
+            <a:schemeClr val="accent1">
+              <a:shade val="50000"/>
+            </a:schemeClr>
+          </a:lnRef>
+          <a:fillRef idx="1">
+            <a:schemeClr val="accent1"/>
+          </a:fillRef>
+          <a:effectRef idx="0">
+            <a:schemeClr val="accent1"/>
+          </a:effectRef>
+          <a:fontRef idx="minor">
+            <a:schemeClr val="lt1"/>
+          </a:fontRef>
+        </p:style>
+        <p:txBody>
+          <a:bodyPr rtlCol="0" anchor="ctr"/>
+          <a:lstStyle/>
+          <a:p>
+            <a:r>
+              <a:rPr lang="ko-KR" altLang="en-US" sz="1600" dirty="0">
+                <a:solidFill>
+                  <a:schemeClr val="tx1"/>
+                </a:solidFill>
+              </a:rPr>
+              <a:t>점수</a:t>
+            </a:r>
+          </a:p>
+        </p:txBody>
+      </p:sp>
+      <p:sp>
+        <p:nvSpPr>
+          <p:cNvPr id="26" name="직사각형 25">
+            <a:extLst>
+              <a:ext uri="{FF2B5EF4-FFF2-40B4-BE49-F238E27FC236}">
+                <a16:creationId xmlns:a16="http://schemas.microsoft.com/office/drawing/2014/main" id="{0725523A-F9FA-417B-B4F6-490ED4918B5D}"/>
+              </a:ext>
+            </a:extLst>
+          </p:cNvPr>
+          <p:cNvSpPr/>
+          <p:nvPr/>
+        </p:nvSpPr>
+        <p:spPr>
+          <a:xfrm>
+            <a:off x="5016500" y="3754118"/>
+            <a:ext cx="431800" cy="332123"/>
+          </a:xfrm>
+          <a:prstGeom prst="rect">
+            <a:avLst/>
+          </a:prstGeom>
+          <a:solidFill>
+            <a:schemeClr val="bg1"/>
+          </a:solidFill>
+          <a:ln>
+            <a:noFill/>
+          </a:ln>
+          <a:effectLst>
+            <a:innerShdw blurRad="127000">
+              <a:prstClr val="black">
+                <a:alpha val="20000"/>
+              </a:prstClr>
+            </a:innerShdw>
+          </a:effectLst>
+        </p:spPr>
+        <p:style>
+          <a:lnRef idx="2">
+            <a:schemeClr val="accent1">
+              <a:shade val="50000"/>
+            </a:schemeClr>
+          </a:lnRef>
+          <a:fillRef idx="1">
+            <a:schemeClr val="accent1"/>
+          </a:fillRef>
+          <a:effectRef idx="0">
+            <a:schemeClr val="accent1"/>
+          </a:effectRef>
+          <a:fontRef idx="minor">
+            <a:schemeClr val="lt1"/>
+          </a:fontRef>
+        </p:style>
+        <p:txBody>
+          <a:bodyPr rtlCol="0" anchor="ctr"/>
+          <a:lstStyle/>
+          <a:p>
+            <a:pPr algn="ctr"/>
+            <a:endParaRPr lang="ko-KR" altLang="en-US" dirty="0"/>
+          </a:p>
+        </p:txBody>
+      </p:sp>
+      <p:sp>
+        <p:nvSpPr>
+          <p:cNvPr id="27" name="직사각형 26">
+            <a:extLst>
+              <a:ext uri="{FF2B5EF4-FFF2-40B4-BE49-F238E27FC236}">
+                <a16:creationId xmlns:a16="http://schemas.microsoft.com/office/drawing/2014/main" id="{09EA9D54-F25A-4947-8431-F4594C0DB3CE}"/>
+              </a:ext>
+            </a:extLst>
+          </p:cNvPr>
+          <p:cNvSpPr/>
+          <p:nvPr/>
+        </p:nvSpPr>
+        <p:spPr>
+          <a:xfrm>
+            <a:off x="4945310" y="4267865"/>
+            <a:ext cx="2693740" cy="332123"/>
+          </a:xfrm>
+          <a:prstGeom prst="rect">
+            <a:avLst/>
+          </a:prstGeom>
+          <a:solidFill>
+            <a:schemeClr val="bg1">
+              <a:lumMod val="85000"/>
+            </a:schemeClr>
+          </a:solidFill>
+          <a:ln>
+            <a:noFill/>
+          </a:ln>
+        </p:spPr>
+        <p:style>
+          <a:lnRef idx="2">
+            <a:schemeClr val="accent1">
+              <a:shade val="50000"/>
+            </a:schemeClr>
+          </a:lnRef>
+          <a:fillRef idx="1">
+            <a:schemeClr val="accent1"/>
+          </a:fillRef>
+          <a:effectRef idx="0">
+            <a:schemeClr val="accent1"/>
+          </a:effectRef>
+          <a:fontRef idx="minor">
+            <a:schemeClr val="lt1"/>
+          </a:fontRef>
+        </p:style>
+        <p:txBody>
+          <a:bodyPr rtlCol="0" anchor="ctr"/>
+          <a:lstStyle/>
+          <a:p>
+            <a:r>
+              <a:rPr lang="ko-KR" altLang="en-US" sz="1600" dirty="0">
+                <a:solidFill>
+                  <a:schemeClr val="tx1"/>
+                </a:solidFill>
+              </a:rPr>
+              <a:t>답</a:t>
+            </a:r>
+          </a:p>
+        </p:txBody>
+      </p:sp>
+      <p:sp>
+        <p:nvSpPr>
+          <p:cNvPr id="3" name="사각형: 둥근 모서리 2">
+            <a:extLst>
+              <a:ext uri="{FF2B5EF4-FFF2-40B4-BE49-F238E27FC236}">
+                <a16:creationId xmlns:a16="http://schemas.microsoft.com/office/drawing/2014/main" id="{B79F24FA-110E-4392-84F0-C6176918A30E}"/>
+              </a:ext>
+            </a:extLst>
+          </p:cNvPr>
+          <p:cNvSpPr/>
+          <p:nvPr/>
+        </p:nvSpPr>
+        <p:spPr>
+          <a:xfrm>
+            <a:off x="5136133" y="4682212"/>
+            <a:ext cx="1065022" cy="603250"/>
+          </a:xfrm>
+          <a:prstGeom prst="roundRect">
+            <a:avLst/>
+          </a:prstGeom>
+          <a:solidFill>
+            <a:schemeClr val="accent2">
+              <a:lumMod val="75000"/>
+            </a:schemeClr>
+          </a:solidFill>
+        </p:spPr>
+        <p:style>
+          <a:lnRef idx="2">
+            <a:schemeClr val="accent2">
+              <a:shade val="50000"/>
+            </a:schemeClr>
+          </a:lnRef>
+          <a:fillRef idx="1">
+            <a:schemeClr val="accent2"/>
+          </a:fillRef>
+          <a:effectRef idx="0">
+            <a:schemeClr val="accent2"/>
+          </a:effectRef>
+          <a:fontRef idx="minor">
+            <a:schemeClr val="lt1"/>
+          </a:fontRef>
+        </p:style>
+        <p:txBody>
+          <a:bodyPr rtlCol="0" anchor="ctr"/>
+          <a:lstStyle/>
+          <a:p>
+            <a:pPr algn="ctr"/>
+            <a:r>
+              <a:rPr lang="en-US" altLang="ko-KR" dirty="0"/>
+              <a:t>O</a:t>
+            </a:r>
+            <a:endParaRPr lang="ko-KR" altLang="en-US" dirty="0"/>
+          </a:p>
+        </p:txBody>
+      </p:sp>
+      <p:sp>
+        <p:nvSpPr>
+          <p:cNvPr id="28" name="사각형: 둥근 모서리 27">
+            <a:extLst>
+              <a:ext uri="{FF2B5EF4-FFF2-40B4-BE49-F238E27FC236}">
+                <a16:creationId xmlns:a16="http://schemas.microsoft.com/office/drawing/2014/main" id="{77536FE5-3060-4FB7-A4A4-E29656385341}"/>
+              </a:ext>
+            </a:extLst>
+          </p:cNvPr>
+          <p:cNvSpPr/>
+          <p:nvPr/>
+        </p:nvSpPr>
+        <p:spPr>
+          <a:xfrm>
+            <a:off x="6387591" y="4682212"/>
+            <a:ext cx="1065023" cy="603250"/>
+          </a:xfrm>
+          <a:prstGeom prst="roundRect">
+            <a:avLst/>
+          </a:prstGeom>
+        </p:spPr>
+        <p:style>
+          <a:lnRef idx="2">
+            <a:schemeClr val="accent2">
+              <a:shade val="50000"/>
+            </a:schemeClr>
+          </a:lnRef>
+          <a:fillRef idx="1">
+            <a:schemeClr val="accent2"/>
+          </a:fillRef>
+          <a:effectRef idx="0">
+            <a:schemeClr val="accent2"/>
+          </a:effectRef>
+          <a:fontRef idx="minor">
+            <a:schemeClr val="lt1"/>
+          </a:fontRef>
+        </p:style>
+        <p:txBody>
+          <a:bodyPr rtlCol="0" anchor="ctr"/>
+          <a:lstStyle/>
+          <a:p>
+            <a:pPr algn="ctr"/>
+            <a:r>
+              <a:rPr lang="en-US" altLang="ko-KR" dirty="0"/>
+              <a:t>X</a:t>
+            </a:r>
+            <a:endParaRPr lang="ko-KR" altLang="en-US" dirty="0"/>
+          </a:p>
+        </p:txBody>
+      </p:sp>
+      <p:sp>
+        <p:nvSpPr>
+          <p:cNvPr id="29" name="직사각형 28">
+            <a:extLst>
+              <a:ext uri="{FF2B5EF4-FFF2-40B4-BE49-F238E27FC236}">
+                <a16:creationId xmlns:a16="http://schemas.microsoft.com/office/drawing/2014/main" id="{54519C1D-95BC-4CE7-A67F-7C9E5DD1593B}"/>
+              </a:ext>
+            </a:extLst>
+          </p:cNvPr>
+          <p:cNvSpPr/>
+          <p:nvPr/>
+        </p:nvSpPr>
+        <p:spPr>
+          <a:xfrm>
+            <a:off x="4945310" y="2392665"/>
+            <a:ext cx="2693740" cy="332123"/>
+          </a:xfrm>
+          <a:prstGeom prst="rect">
+            <a:avLst/>
+          </a:prstGeom>
+          <a:solidFill>
+            <a:schemeClr val="bg1">
+              <a:lumMod val="85000"/>
+            </a:schemeClr>
+          </a:solidFill>
+          <a:ln>
+            <a:noFill/>
+          </a:ln>
+        </p:spPr>
+        <p:style>
+          <a:lnRef idx="2">
+            <a:schemeClr val="accent1">
+              <a:shade val="50000"/>
+            </a:schemeClr>
+          </a:lnRef>
+          <a:fillRef idx="1">
+            <a:schemeClr val="accent1"/>
+          </a:fillRef>
+          <a:effectRef idx="0">
+            <a:schemeClr val="accent1"/>
+          </a:effectRef>
+          <a:fontRef idx="minor">
+            <a:schemeClr val="lt1"/>
+          </a:fontRef>
+        </p:style>
+        <p:txBody>
+          <a:bodyPr rtlCol="0" anchor="ctr"/>
+          <a:lstStyle/>
+          <a:p>
+            <a:r>
+              <a:rPr lang="ko-KR" altLang="en-US" sz="1600" dirty="0">
+                <a:solidFill>
+                  <a:schemeClr val="tx1"/>
+                </a:solidFill>
+              </a:rPr>
+              <a:t>문제 내용</a:t>
+            </a:r>
+            <a:endParaRPr lang="en-US" altLang="ko-KR" sz="1600" dirty="0">
+              <a:solidFill>
+                <a:schemeClr val="tx1"/>
+              </a:solidFill>
+            </a:endParaRPr>
+          </a:p>
+        </p:txBody>
+      </p:sp>
+      <p:sp>
+        <p:nvSpPr>
+          <p:cNvPr id="30" name="직사각형 29">
+            <a:extLst>
+              <a:ext uri="{FF2B5EF4-FFF2-40B4-BE49-F238E27FC236}">
+                <a16:creationId xmlns:a16="http://schemas.microsoft.com/office/drawing/2014/main" id="{1196916A-4930-4055-8D61-625FE90D0C56}"/>
+              </a:ext>
+            </a:extLst>
+          </p:cNvPr>
+          <p:cNvSpPr/>
+          <p:nvPr/>
+        </p:nvSpPr>
+        <p:spPr>
+          <a:xfrm>
+            <a:off x="5016500" y="2828588"/>
+            <a:ext cx="2159000" cy="332123"/>
+          </a:xfrm>
+          <a:prstGeom prst="rect">
+            <a:avLst/>
+          </a:prstGeom>
+          <a:solidFill>
+            <a:schemeClr val="bg1"/>
+          </a:solidFill>
+          <a:ln>
+            <a:noFill/>
+          </a:ln>
+          <a:effectLst>
+            <a:innerShdw blurRad="127000">
+              <a:prstClr val="black">
+                <a:alpha val="20000"/>
+              </a:prstClr>
+            </a:innerShdw>
+          </a:effectLst>
+        </p:spPr>
+        <p:style>
+          <a:lnRef idx="2">
+            <a:schemeClr val="accent1">
+              <a:shade val="50000"/>
+            </a:schemeClr>
+          </a:lnRef>
+          <a:fillRef idx="1">
+            <a:schemeClr val="accent1"/>
+          </a:fillRef>
+          <a:effectRef idx="0">
+            <a:schemeClr val="accent1"/>
+          </a:effectRef>
+          <a:fontRef idx="minor">
+            <a:schemeClr val="lt1"/>
+          </a:fontRef>
+        </p:style>
+        <p:txBody>
+          <a:bodyPr rtlCol="0" anchor="ctr"/>
+          <a:lstStyle/>
+          <a:p>
+            <a:pPr algn="ctr"/>
+            <a:endParaRPr lang="ko-KR" altLang="en-US" dirty="0"/>
           </a:p>
         </p:txBody>
       </p:sp>
     </p:spTree>
     <p:extLst>
       <p:ext uri="{BB962C8B-B14F-4D97-AF65-F5344CB8AC3E}">
-        <p14:creationId xmlns:p14="http://schemas.microsoft.com/office/powerpoint/2010/main" val="2188794924"/>
+        <p14:creationId xmlns:p14="http://schemas.microsoft.com/office/powerpoint/2010/main" val="45176570"/>
       </p:ext>
     </p:extLst>
   </p:cSld>
   <p:clrMapOvr>
     <a:masterClrMapping/>
   </p:clrMapOvr>
+  <mc:AlternateContent xmlns:mc="http://schemas.openxmlformats.org/markup-compatibility/2006" xmlns:p14="http://schemas.microsoft.com/office/powerpoint/2010/main">
+    <mc:Choice Requires="p14">
+      <p:transition p14:dur="10"/>
+    </mc:Choice>
+    <mc:Fallback xmlns="">
+      <p:transition/>
+    </mc:Fallback>
+  </mc:AlternateContent>
 </p:sld>
 </file>
 
@@ -5657,6 +6152,63 @@
           </a:p>
         </p:txBody>
       </p:sp>
+      <p:sp>
+        <p:nvSpPr>
+          <p:cNvPr id="5" name="사각형: 둥근 모서리 4">
+            <a:extLst>
+              <a:ext uri="{FF2B5EF4-FFF2-40B4-BE49-F238E27FC236}">
+                <a16:creationId xmlns:a16="http://schemas.microsoft.com/office/drawing/2014/main" id="{01DFA11B-EDB5-4951-A302-FDD0A00783F6}"/>
+              </a:ext>
+            </a:extLst>
+          </p:cNvPr>
+          <p:cNvSpPr/>
+          <p:nvPr/>
+        </p:nvSpPr>
+        <p:spPr>
+          <a:xfrm>
+            <a:off x="4945309" y="2642533"/>
+            <a:ext cx="2676087" cy="3066180"/>
+          </a:xfrm>
+          <a:prstGeom prst="roundRect">
+            <a:avLst>
+              <a:gd name="adj" fmla="val 4861"/>
+            </a:avLst>
+          </a:prstGeom>
+          <a:solidFill>
+            <a:schemeClr val="bg1">
+              <a:lumMod val="85000"/>
+              <a:alpha val="98000"/>
+            </a:schemeClr>
+          </a:solidFill>
+          <a:ln>
+            <a:noFill/>
+          </a:ln>
+        </p:spPr>
+        <p:style>
+          <a:lnRef idx="2">
+            <a:schemeClr val="accent1">
+              <a:shade val="50000"/>
+            </a:schemeClr>
+          </a:lnRef>
+          <a:fillRef idx="1">
+            <a:schemeClr val="accent1"/>
+          </a:fillRef>
+          <a:effectRef idx="0">
+            <a:schemeClr val="accent1"/>
+          </a:effectRef>
+          <a:fontRef idx="minor">
+            <a:schemeClr val="lt1"/>
+          </a:fontRef>
+        </p:style>
+        <p:txBody>
+          <a:bodyPr rtlCol="0" anchor="ctr"/>
+          <a:lstStyle/>
+          <a:p>
+            <a:pPr algn="ctr"/>
+            <a:endParaRPr lang="ko-KR" altLang="en-US" sz="1000" dirty="0"/>
+          </a:p>
+        </p:txBody>
+      </p:sp>
       <p:pic>
         <p:nvPicPr>
           <p:cNvPr id="9" name="그림 8" descr="건물이(가) 표시된 사진&#10;&#10;자동 생성된 설명">
@@ -5679,13 +6231,13 @@
               </a:ext>
             </a:extLst>
           </a:blip>
-          <a:srcRect l="13823" t="21730" r="14495" b="26242"/>
+          <a:srcRect l="13823" t="21730" r="55446" b="26242"/>
           <a:stretch/>
         </p:blipFill>
         <p:spPr>
           <a:xfrm rot="5400000">
-            <a:off x="3825378" y="1912692"/>
-            <a:ext cx="4915952" cy="2676088"/>
+            <a:off x="5225388" y="512682"/>
+            <a:ext cx="2107541" cy="2667700"/>
           </a:xfrm>
           <a:prstGeom prst="roundRect">
             <a:avLst>
@@ -5715,30 +6267,383 @@
       </p:pic>
       <p:sp>
         <p:nvSpPr>
-          <p:cNvPr id="2" name="사각형: 둥근 모서리 1">
-            <a:extLst>
-              <a:ext uri="{FF2B5EF4-FFF2-40B4-BE49-F238E27FC236}">
-                <a16:creationId xmlns:a16="http://schemas.microsoft.com/office/drawing/2014/main" id="{1AD696D8-9C21-46A0-8990-CBB8EEC3595C}"/>
-              </a:ext>
-            </a:extLst>
-          </p:cNvPr>
-          <p:cNvSpPr/>
-          <p:nvPr/>
-        </p:nvSpPr>
-        <p:spPr>
-          <a:xfrm>
-            <a:off x="4945310" y="792760"/>
-            <a:ext cx="2676088" cy="387350"/>
+          <p:cNvPr id="3" name="사각형: 둥근 모서리 2">
+            <a:extLst>
+              <a:ext uri="{FF2B5EF4-FFF2-40B4-BE49-F238E27FC236}">
+                <a16:creationId xmlns:a16="http://schemas.microsoft.com/office/drawing/2014/main" id="{A94F3ECC-CD89-4406-BAA5-D50D0A48111E}"/>
+              </a:ext>
+            </a:extLst>
+          </p:cNvPr>
+          <p:cNvSpPr/>
+          <p:nvPr/>
+        </p:nvSpPr>
+        <p:spPr>
+          <a:xfrm>
+            <a:off x="5313535" y="3085318"/>
+            <a:ext cx="792480" cy="918039"/>
+          </a:xfrm>
+          <a:prstGeom prst="roundRect">
+            <a:avLst/>
+          </a:prstGeom>
+        </p:spPr>
+        <p:style>
+          <a:lnRef idx="1">
+            <a:schemeClr val="accent5"/>
+          </a:lnRef>
+          <a:fillRef idx="2">
+            <a:schemeClr val="accent5"/>
+          </a:fillRef>
+          <a:effectRef idx="1">
+            <a:schemeClr val="accent5"/>
+          </a:effectRef>
+          <a:fontRef idx="minor">
+            <a:schemeClr val="dk1"/>
+          </a:fontRef>
+        </p:style>
+        <p:txBody>
+          <a:bodyPr rtlCol="0" anchor="ctr"/>
+          <a:lstStyle/>
+          <a:p>
+            <a:pPr algn="ctr"/>
+            <a:r>
+              <a:rPr lang="en-US" altLang="ko-KR" sz="1200" dirty="0"/>
+              <a:t>OX</a:t>
+            </a:r>
+            <a:endParaRPr lang="ko-KR" altLang="en-US" sz="1200" dirty="0"/>
+          </a:p>
+        </p:txBody>
+      </p:sp>
+      <p:sp>
+        <p:nvSpPr>
+          <p:cNvPr id="7" name="사각형: 둥근 모서리 6">
+            <a:extLst>
+              <a:ext uri="{FF2B5EF4-FFF2-40B4-BE49-F238E27FC236}">
+                <a16:creationId xmlns:a16="http://schemas.microsoft.com/office/drawing/2014/main" id="{8EB1D5F5-5ABA-4A66-AAF1-AE5544CB11AF}"/>
+              </a:ext>
+            </a:extLst>
+          </p:cNvPr>
+          <p:cNvSpPr/>
+          <p:nvPr/>
+        </p:nvSpPr>
+        <p:spPr>
+          <a:xfrm>
+            <a:off x="6365829" y="3085318"/>
+            <a:ext cx="792480" cy="918039"/>
+          </a:xfrm>
+          <a:prstGeom prst="roundRect">
+            <a:avLst/>
+          </a:prstGeom>
+        </p:spPr>
+        <p:style>
+          <a:lnRef idx="1">
+            <a:schemeClr val="accent5"/>
+          </a:lnRef>
+          <a:fillRef idx="2">
+            <a:schemeClr val="accent5"/>
+          </a:fillRef>
+          <a:effectRef idx="1">
+            <a:schemeClr val="accent5"/>
+          </a:effectRef>
+          <a:fontRef idx="minor">
+            <a:schemeClr val="dk1"/>
+          </a:fontRef>
+        </p:style>
+        <p:txBody>
+          <a:bodyPr rtlCol="0" anchor="ctr"/>
+          <a:lstStyle/>
+          <a:p>
+            <a:pPr algn="ctr"/>
+            <a:r>
+              <a:rPr lang="ko-KR" altLang="en-US" sz="1200" dirty="0"/>
+              <a:t>객관식</a:t>
+            </a:r>
+          </a:p>
+        </p:txBody>
+      </p:sp>
+      <p:sp>
+        <p:nvSpPr>
+          <p:cNvPr id="8" name="사각형: 둥근 모서리 7">
+            <a:extLst>
+              <a:ext uri="{FF2B5EF4-FFF2-40B4-BE49-F238E27FC236}">
+                <a16:creationId xmlns:a16="http://schemas.microsoft.com/office/drawing/2014/main" id="{09266BED-0FE3-4FB0-8B33-00CB80B3CB13}"/>
+              </a:ext>
+            </a:extLst>
+          </p:cNvPr>
+          <p:cNvSpPr/>
+          <p:nvPr/>
+        </p:nvSpPr>
+        <p:spPr>
+          <a:xfrm>
+            <a:off x="5313535" y="4205458"/>
+            <a:ext cx="792480" cy="918039"/>
+          </a:xfrm>
+          <a:prstGeom prst="roundRect">
+            <a:avLst/>
+          </a:prstGeom>
+        </p:spPr>
+        <p:style>
+          <a:lnRef idx="1">
+            <a:schemeClr val="accent5"/>
+          </a:lnRef>
+          <a:fillRef idx="2">
+            <a:schemeClr val="accent5"/>
+          </a:fillRef>
+          <a:effectRef idx="1">
+            <a:schemeClr val="accent5"/>
+          </a:effectRef>
+          <a:fontRef idx="minor">
+            <a:schemeClr val="dk1"/>
+          </a:fontRef>
+        </p:style>
+        <p:txBody>
+          <a:bodyPr rtlCol="0" anchor="ctr"/>
+          <a:lstStyle/>
+          <a:p>
+            <a:pPr algn="ctr"/>
+            <a:r>
+              <a:rPr lang="ko-KR" altLang="en-US" sz="1200" dirty="0"/>
+              <a:t>주관식</a:t>
+            </a:r>
+          </a:p>
+        </p:txBody>
+      </p:sp>
+      <p:sp>
+        <p:nvSpPr>
+          <p:cNvPr id="10" name="사각형: 둥근 모서리 9">
+            <a:extLst>
+              <a:ext uri="{FF2B5EF4-FFF2-40B4-BE49-F238E27FC236}">
+                <a16:creationId xmlns:a16="http://schemas.microsoft.com/office/drawing/2014/main" id="{B441AB2B-46C3-4904-9FAE-478B91A972AA}"/>
+              </a:ext>
+            </a:extLst>
+          </p:cNvPr>
+          <p:cNvSpPr/>
+          <p:nvPr/>
+        </p:nvSpPr>
+        <p:spPr>
+          <a:xfrm>
+            <a:off x="6365829" y="4213079"/>
+            <a:ext cx="792480" cy="918039"/>
+          </a:xfrm>
+          <a:prstGeom prst="roundRect">
+            <a:avLst/>
+          </a:prstGeom>
+        </p:spPr>
+        <p:style>
+          <a:lnRef idx="1">
+            <a:schemeClr val="accent5"/>
+          </a:lnRef>
+          <a:fillRef idx="2">
+            <a:schemeClr val="accent5"/>
+          </a:fillRef>
+          <a:effectRef idx="1">
+            <a:schemeClr val="accent5"/>
+          </a:effectRef>
+          <a:fontRef idx="minor">
+            <a:schemeClr val="dk1"/>
+          </a:fontRef>
+        </p:style>
+        <p:txBody>
+          <a:bodyPr rtlCol="0" anchor="ctr"/>
+          <a:lstStyle/>
+          <a:p>
+            <a:pPr algn="ctr"/>
+            <a:r>
+              <a:rPr lang="ko-KR" altLang="en-US" sz="1200" dirty="0"/>
+              <a:t>지문</a:t>
+            </a:r>
+          </a:p>
+        </p:txBody>
+      </p:sp>
+      <p:sp>
+        <p:nvSpPr>
+          <p:cNvPr id="12" name="사각형: 둥근 모서리 11">
+            <a:extLst>
+              <a:ext uri="{FF2B5EF4-FFF2-40B4-BE49-F238E27FC236}">
+                <a16:creationId xmlns:a16="http://schemas.microsoft.com/office/drawing/2014/main" id="{AB5AE329-DAE8-4DA2-A330-44519FB6B500}"/>
+              </a:ext>
+            </a:extLst>
+          </p:cNvPr>
+          <p:cNvSpPr/>
+          <p:nvPr/>
+        </p:nvSpPr>
+        <p:spPr>
+          <a:xfrm>
+            <a:off x="5578834" y="5297096"/>
+            <a:ext cx="1463774" cy="236562"/>
+          </a:xfrm>
+          <a:prstGeom prst="roundRect">
+            <a:avLst/>
+          </a:prstGeom>
+        </p:spPr>
+        <p:style>
+          <a:lnRef idx="2">
+            <a:schemeClr val="accent1">
+              <a:shade val="50000"/>
+            </a:schemeClr>
+          </a:lnRef>
+          <a:fillRef idx="1">
+            <a:schemeClr val="accent1"/>
+          </a:fillRef>
+          <a:effectRef idx="0">
+            <a:schemeClr val="accent1"/>
+          </a:effectRef>
+          <a:fontRef idx="minor">
+            <a:schemeClr val="lt1"/>
+          </a:fontRef>
+        </p:style>
+        <p:txBody>
+          <a:bodyPr rtlCol="0" anchor="ctr"/>
+          <a:lstStyle/>
+          <a:p>
+            <a:pPr algn="ctr"/>
+            <a:r>
+              <a:rPr lang="ko-KR" altLang="en-US" sz="900" dirty="0"/>
+              <a:t>나가기</a:t>
+            </a:r>
+          </a:p>
+        </p:txBody>
+      </p:sp>
+      <p:sp>
+        <p:nvSpPr>
+          <p:cNvPr id="4" name="TextBox 3">
+            <a:extLst>
+              <a:ext uri="{FF2B5EF4-FFF2-40B4-BE49-F238E27FC236}">
+                <a16:creationId xmlns:a16="http://schemas.microsoft.com/office/drawing/2014/main" id="{4C5F3857-8842-4961-BE18-0482225D790C}"/>
+              </a:ext>
+            </a:extLst>
+          </p:cNvPr>
+          <p:cNvSpPr txBox="1"/>
+          <p:nvPr/>
+        </p:nvSpPr>
+        <p:spPr>
+          <a:xfrm>
+            <a:off x="5154491" y="1685631"/>
+            <a:ext cx="2249334" cy="461665"/>
+          </a:xfrm>
+          <a:prstGeom prst="rect">
+            <a:avLst/>
+          </a:prstGeom>
+          <a:noFill/>
+        </p:spPr>
+        <p:txBody>
+          <a:bodyPr wrap="none" rtlCol="0">
+            <a:spAutoFit/>
+          </a:bodyPr>
+          <a:lstStyle/>
+          <a:p>
+            <a:r>
+              <a:rPr lang="ko-KR" altLang="en-US" sz="2400" b="1" dirty="0">
+                <a:solidFill>
+                  <a:schemeClr val="bg1"/>
+                </a:solidFill>
+              </a:rPr>
+              <a:t>다음 위치 사진</a:t>
+            </a:r>
+          </a:p>
+        </p:txBody>
+      </p:sp>
+    </p:spTree>
+    <p:extLst>
+      <p:ext uri="{BB962C8B-B14F-4D97-AF65-F5344CB8AC3E}">
+        <p14:creationId xmlns:p14="http://schemas.microsoft.com/office/powerpoint/2010/main" val="3349792590"/>
+      </p:ext>
+    </p:extLst>
+  </p:cSld>
+  <p:clrMapOvr>
+    <a:masterClrMapping/>
+  </p:clrMapOvr>
+</p:sld>
+</file>
+
+<file path=ppt/slides/slide14.xml><?xml version="1.0" encoding="utf-8"?>
+<p:sld xmlns:a="http://schemas.openxmlformats.org/drawingml/2006/main" xmlns:r="http://schemas.openxmlformats.org/officeDocument/2006/relationships" xmlns:p="http://schemas.openxmlformats.org/presentationml/2006/main">
+  <p:cSld>
+    <p:spTree>
+      <p:nvGrpSpPr>
+        <p:cNvPr id="1" name=""/>
+        <p:cNvGrpSpPr/>
+        <p:nvPr/>
+      </p:nvGrpSpPr>
+      <p:grpSpPr>
+        <a:xfrm>
+          <a:off x="0" y="0"/>
+          <a:ext cx="0" cy="0"/>
+          <a:chOff x="0" y="0"/>
+          <a:chExt cx="0" cy="0"/>
+        </a:xfrm>
+      </p:grpSpPr>
+      <p:sp>
+        <p:nvSpPr>
+          <p:cNvPr id="11" name="사각형: 둥근 모서리 10">
+            <a:extLst>
+              <a:ext uri="{FF2B5EF4-FFF2-40B4-BE49-F238E27FC236}">
+                <a16:creationId xmlns:a16="http://schemas.microsoft.com/office/drawing/2014/main" id="{3A22367C-76BA-4BC0-9D76-8154113D55FD}"/>
+              </a:ext>
+            </a:extLst>
+          </p:cNvPr>
+          <p:cNvSpPr/>
+          <p:nvPr/>
+        </p:nvSpPr>
+        <p:spPr>
+          <a:xfrm>
+            <a:off x="4639112" y="436227"/>
+            <a:ext cx="3288484" cy="5629013"/>
+          </a:xfrm>
+          <a:prstGeom prst="roundRect">
+            <a:avLst/>
+          </a:prstGeom>
+        </p:spPr>
+        <p:style>
+          <a:lnRef idx="2">
+            <a:schemeClr val="dk1">
+              <a:shade val="50000"/>
+            </a:schemeClr>
+          </a:lnRef>
+          <a:fillRef idx="1">
+            <a:schemeClr val="dk1"/>
+          </a:fillRef>
+          <a:effectRef idx="0">
+            <a:schemeClr val="dk1"/>
+          </a:effectRef>
+          <a:fontRef idx="minor">
+            <a:schemeClr val="lt1"/>
+          </a:fontRef>
+        </p:style>
+        <p:txBody>
+          <a:bodyPr rtlCol="0" anchor="ctr"/>
+          <a:lstStyle/>
+          <a:p>
+            <a:pPr algn="ctr"/>
+            <a:endParaRPr lang="ko-KR" altLang="en-US"/>
+          </a:p>
+        </p:txBody>
+      </p:sp>
+      <p:sp>
+        <p:nvSpPr>
+          <p:cNvPr id="5" name="사각형: 둥근 모서리 4">
+            <a:extLst>
+              <a:ext uri="{FF2B5EF4-FFF2-40B4-BE49-F238E27FC236}">
+                <a16:creationId xmlns:a16="http://schemas.microsoft.com/office/drawing/2014/main" id="{01DFA11B-EDB5-4951-A302-FDD0A00783F6}"/>
+              </a:ext>
+            </a:extLst>
+          </p:cNvPr>
+          <p:cNvSpPr/>
+          <p:nvPr/>
+        </p:nvSpPr>
+        <p:spPr>
+          <a:xfrm>
+            <a:off x="4945309" y="2642533"/>
+            <a:ext cx="2676087" cy="3066180"/>
           </a:xfrm>
           <a:prstGeom prst="roundRect">
             <a:avLst>
-              <a:gd name="adj" fmla="val 26062"/>
+              <a:gd name="adj" fmla="val 4861"/>
             </a:avLst>
           </a:prstGeom>
           <a:solidFill>
             <a:schemeClr val="bg1">
               <a:lumMod val="85000"/>
-              <a:alpha val="92000"/>
+              <a:alpha val="98000"/>
             </a:schemeClr>
           </a:solidFill>
           <a:ln>
@@ -5766,49 +6671,275 @@
           <a:lstStyle/>
           <a:p>
             <a:pPr algn="ctr"/>
-            <a:r>
-              <a:rPr lang="ko-KR" altLang="en-US" sz="1000" dirty="0"/>
-              <a:t>시작하는 위치를 찍어주세요</a:t>
-            </a:r>
-            <a:r>
-              <a:rPr lang="en-US" altLang="ko-KR" sz="1000" dirty="0"/>
-              <a:t>.</a:t>
-            </a:r>
             <a:endParaRPr lang="ko-KR" altLang="en-US" sz="1000" dirty="0"/>
           </a:p>
         </p:txBody>
       </p:sp>
-      <p:sp>
-        <p:nvSpPr>
-          <p:cNvPr id="5" name="사각형: 둥근 모서리 4">
-            <a:extLst>
-              <a:ext uri="{FF2B5EF4-FFF2-40B4-BE49-F238E27FC236}">
-                <a16:creationId xmlns:a16="http://schemas.microsoft.com/office/drawing/2014/main" id="{01DFA11B-EDB5-4951-A302-FDD0A00783F6}"/>
-              </a:ext>
-            </a:extLst>
-          </p:cNvPr>
-          <p:cNvSpPr/>
-          <p:nvPr/>
-        </p:nvSpPr>
-        <p:spPr>
-          <a:xfrm>
-            <a:off x="5205124" y="1783259"/>
-            <a:ext cx="2156460" cy="2865120"/>
+      <p:pic>
+        <p:nvPicPr>
+          <p:cNvPr id="9" name="그림 8" descr="건물이(가) 표시된 사진&#10;&#10;자동 생성된 설명">
+            <a:extLst>
+              <a:ext uri="{FF2B5EF4-FFF2-40B4-BE49-F238E27FC236}">
+                <a16:creationId xmlns:a16="http://schemas.microsoft.com/office/drawing/2014/main" id="{D5E69D5F-7684-418F-8426-394EE3E9B930}"/>
+              </a:ext>
+            </a:extLst>
+          </p:cNvPr>
+          <p:cNvPicPr>
+            <a:picLocks noChangeAspect="1"/>
+          </p:cNvPicPr>
+          <p:nvPr/>
+        </p:nvPicPr>
+        <p:blipFill rotWithShape="1">
+          <a:blip r:embed="rId2">
+            <a:extLst>
+              <a:ext uri="{28A0092B-C50C-407E-A947-70E740481C1C}">
+                <a14:useLocalDpi xmlns:a14="http://schemas.microsoft.com/office/drawing/2010/main" val="0"/>
+              </a:ext>
+            </a:extLst>
+          </a:blip>
+          <a:srcRect l="13823" t="21730" r="55446" b="26242"/>
+          <a:stretch/>
+        </p:blipFill>
+        <p:spPr>
+          <a:xfrm rot="5400000">
+            <a:off x="5225388" y="512682"/>
+            <a:ext cx="2107541" cy="2667700"/>
           </a:xfrm>
           <a:prstGeom prst="roundRect">
             <a:avLst>
-              <a:gd name="adj" fmla="val 4861"/>
+              <a:gd name="adj" fmla="val 4167"/>
             </a:avLst>
           </a:prstGeom>
           <a:solidFill>
-            <a:schemeClr val="bg1">
-              <a:lumMod val="85000"/>
-              <a:alpha val="98000"/>
-            </a:schemeClr>
+            <a:srgbClr val="FFFFFF"/>
           </a:solidFill>
-          <a:ln>
+          <a:ln w="76200" cap="sq">
             <a:noFill/>
+            <a:miter lim="800000"/>
           </a:ln>
+          <a:effectLst/>
+          <a:scene3d>
+            <a:camera prst="orthographicFront"/>
+            <a:lightRig rig="threePt" dir="t">
+              <a:rot lat="0" lon="0" rev="2700000"/>
+            </a:lightRig>
+          </a:scene3d>
+          <a:sp3d>
+            <a:contourClr>
+              <a:srgbClr val="C0C0C0"/>
+            </a:contourClr>
+          </a:sp3d>
+        </p:spPr>
+      </p:pic>
+      <p:sp>
+        <p:nvSpPr>
+          <p:cNvPr id="3" name="사각형: 둥근 모서리 2">
+            <a:extLst>
+              <a:ext uri="{FF2B5EF4-FFF2-40B4-BE49-F238E27FC236}">
+                <a16:creationId xmlns:a16="http://schemas.microsoft.com/office/drawing/2014/main" id="{A94F3ECC-CD89-4406-BAA5-D50D0A48111E}"/>
+              </a:ext>
+            </a:extLst>
+          </p:cNvPr>
+          <p:cNvSpPr/>
+          <p:nvPr/>
+        </p:nvSpPr>
+        <p:spPr>
+          <a:xfrm>
+            <a:off x="5313535" y="3085318"/>
+            <a:ext cx="792480" cy="918039"/>
+          </a:xfrm>
+          <a:prstGeom prst="roundRect">
+            <a:avLst/>
+          </a:prstGeom>
+        </p:spPr>
+        <p:style>
+          <a:lnRef idx="1">
+            <a:schemeClr val="accent5"/>
+          </a:lnRef>
+          <a:fillRef idx="2">
+            <a:schemeClr val="accent5"/>
+          </a:fillRef>
+          <a:effectRef idx="1">
+            <a:schemeClr val="accent5"/>
+          </a:effectRef>
+          <a:fontRef idx="minor">
+            <a:schemeClr val="dk1"/>
+          </a:fontRef>
+        </p:style>
+        <p:txBody>
+          <a:bodyPr rtlCol="0" anchor="ctr"/>
+          <a:lstStyle/>
+          <a:p>
+            <a:pPr algn="ctr"/>
+            <a:r>
+              <a:rPr lang="en-US" altLang="ko-KR" sz="1200" dirty="0"/>
+              <a:t>OX</a:t>
+            </a:r>
+            <a:endParaRPr lang="ko-KR" altLang="en-US" sz="1200" dirty="0"/>
+          </a:p>
+        </p:txBody>
+      </p:sp>
+      <p:sp>
+        <p:nvSpPr>
+          <p:cNvPr id="7" name="사각형: 둥근 모서리 6">
+            <a:extLst>
+              <a:ext uri="{FF2B5EF4-FFF2-40B4-BE49-F238E27FC236}">
+                <a16:creationId xmlns:a16="http://schemas.microsoft.com/office/drawing/2014/main" id="{8EB1D5F5-5ABA-4A66-AAF1-AE5544CB11AF}"/>
+              </a:ext>
+            </a:extLst>
+          </p:cNvPr>
+          <p:cNvSpPr/>
+          <p:nvPr/>
+        </p:nvSpPr>
+        <p:spPr>
+          <a:xfrm>
+            <a:off x="6365829" y="3085318"/>
+            <a:ext cx="792480" cy="918039"/>
+          </a:xfrm>
+          <a:prstGeom prst="roundRect">
+            <a:avLst/>
+          </a:prstGeom>
+        </p:spPr>
+        <p:style>
+          <a:lnRef idx="1">
+            <a:schemeClr val="accent5"/>
+          </a:lnRef>
+          <a:fillRef idx="2">
+            <a:schemeClr val="accent5"/>
+          </a:fillRef>
+          <a:effectRef idx="1">
+            <a:schemeClr val="accent5"/>
+          </a:effectRef>
+          <a:fontRef idx="minor">
+            <a:schemeClr val="dk1"/>
+          </a:fontRef>
+        </p:style>
+        <p:txBody>
+          <a:bodyPr rtlCol="0" anchor="ctr"/>
+          <a:lstStyle/>
+          <a:p>
+            <a:pPr algn="ctr"/>
+            <a:r>
+              <a:rPr lang="ko-KR" altLang="en-US" sz="1200" dirty="0"/>
+              <a:t>객관식</a:t>
+            </a:r>
+          </a:p>
+        </p:txBody>
+      </p:sp>
+      <p:sp>
+        <p:nvSpPr>
+          <p:cNvPr id="8" name="사각형: 둥근 모서리 7">
+            <a:extLst>
+              <a:ext uri="{FF2B5EF4-FFF2-40B4-BE49-F238E27FC236}">
+                <a16:creationId xmlns:a16="http://schemas.microsoft.com/office/drawing/2014/main" id="{09266BED-0FE3-4FB0-8B33-00CB80B3CB13}"/>
+              </a:ext>
+            </a:extLst>
+          </p:cNvPr>
+          <p:cNvSpPr/>
+          <p:nvPr/>
+        </p:nvSpPr>
+        <p:spPr>
+          <a:xfrm>
+            <a:off x="5313535" y="4205458"/>
+            <a:ext cx="792480" cy="918039"/>
+          </a:xfrm>
+          <a:prstGeom prst="roundRect">
+            <a:avLst/>
+          </a:prstGeom>
+        </p:spPr>
+        <p:style>
+          <a:lnRef idx="1">
+            <a:schemeClr val="accent5"/>
+          </a:lnRef>
+          <a:fillRef idx="2">
+            <a:schemeClr val="accent5"/>
+          </a:fillRef>
+          <a:effectRef idx="1">
+            <a:schemeClr val="accent5"/>
+          </a:effectRef>
+          <a:fontRef idx="minor">
+            <a:schemeClr val="dk1"/>
+          </a:fontRef>
+        </p:style>
+        <p:txBody>
+          <a:bodyPr rtlCol="0" anchor="ctr"/>
+          <a:lstStyle/>
+          <a:p>
+            <a:pPr algn="ctr"/>
+            <a:r>
+              <a:rPr lang="ko-KR" altLang="en-US" sz="1200" dirty="0"/>
+              <a:t>주관식</a:t>
+            </a:r>
+          </a:p>
+        </p:txBody>
+      </p:sp>
+      <p:sp>
+        <p:nvSpPr>
+          <p:cNvPr id="10" name="사각형: 둥근 모서리 9">
+            <a:extLst>
+              <a:ext uri="{FF2B5EF4-FFF2-40B4-BE49-F238E27FC236}">
+                <a16:creationId xmlns:a16="http://schemas.microsoft.com/office/drawing/2014/main" id="{B441AB2B-46C3-4904-9FAE-478B91A972AA}"/>
+              </a:ext>
+            </a:extLst>
+          </p:cNvPr>
+          <p:cNvSpPr/>
+          <p:nvPr/>
+        </p:nvSpPr>
+        <p:spPr>
+          <a:xfrm>
+            <a:off x="6365829" y="4213079"/>
+            <a:ext cx="792480" cy="918039"/>
+          </a:xfrm>
+          <a:prstGeom prst="roundRect">
+            <a:avLst/>
+          </a:prstGeom>
+        </p:spPr>
+        <p:style>
+          <a:lnRef idx="1">
+            <a:schemeClr val="accent5"/>
+          </a:lnRef>
+          <a:fillRef idx="2">
+            <a:schemeClr val="accent5"/>
+          </a:fillRef>
+          <a:effectRef idx="1">
+            <a:schemeClr val="accent5"/>
+          </a:effectRef>
+          <a:fontRef idx="minor">
+            <a:schemeClr val="dk1"/>
+          </a:fontRef>
+        </p:style>
+        <p:txBody>
+          <a:bodyPr rtlCol="0" anchor="ctr"/>
+          <a:lstStyle/>
+          <a:p>
+            <a:pPr algn="ctr"/>
+            <a:r>
+              <a:rPr lang="ko-KR" altLang="en-US" sz="1200" dirty="0"/>
+              <a:t>지문</a:t>
+            </a:r>
+          </a:p>
+        </p:txBody>
+      </p:sp>
+      <p:sp>
+        <p:nvSpPr>
+          <p:cNvPr id="12" name="사각형: 둥근 모서리 11">
+            <a:extLst>
+              <a:ext uri="{FF2B5EF4-FFF2-40B4-BE49-F238E27FC236}">
+                <a16:creationId xmlns:a16="http://schemas.microsoft.com/office/drawing/2014/main" id="{AB5AE329-DAE8-4DA2-A330-44519FB6B500}"/>
+              </a:ext>
+            </a:extLst>
+          </p:cNvPr>
+          <p:cNvSpPr/>
+          <p:nvPr/>
+        </p:nvSpPr>
+        <p:spPr>
+          <a:xfrm>
+            <a:off x="5578834" y="5297096"/>
+            <a:ext cx="1463774" cy="236562"/>
+          </a:xfrm>
+          <a:prstGeom prst="roundRect">
+            <a:avLst/>
+          </a:prstGeom>
         </p:spPr>
         <p:style>
           <a:lnRef idx="2">
@@ -5831,248 +6962,48 @@
           <a:lstStyle/>
           <a:p>
             <a:pPr algn="ctr"/>
-            <a:endParaRPr lang="ko-KR" altLang="en-US" sz="1000" dirty="0"/>
-          </a:p>
-        </p:txBody>
-      </p:sp>
-      <p:sp>
-        <p:nvSpPr>
-          <p:cNvPr id="3" name="사각형: 둥근 모서리 2">
-            <a:extLst>
-              <a:ext uri="{FF2B5EF4-FFF2-40B4-BE49-F238E27FC236}">
-                <a16:creationId xmlns:a16="http://schemas.microsoft.com/office/drawing/2014/main" id="{A94F3ECC-CD89-4406-BAA5-D50D0A48111E}"/>
-              </a:ext>
-            </a:extLst>
-          </p:cNvPr>
-          <p:cNvSpPr/>
-          <p:nvPr/>
-        </p:nvSpPr>
-        <p:spPr>
-          <a:xfrm>
-            <a:off x="5356475" y="1982263"/>
-            <a:ext cx="792480" cy="918039"/>
-          </a:xfrm>
-          <a:prstGeom prst="roundRect">
+            <a:r>
+              <a:rPr lang="ko-KR" altLang="en-US" sz="900" dirty="0"/>
+              <a:t>나가기</a:t>
+            </a:r>
+          </a:p>
+        </p:txBody>
+      </p:sp>
+      <p:sp>
+        <p:nvSpPr>
+          <p:cNvPr id="4" name="TextBox 3">
+            <a:extLst>
+              <a:ext uri="{FF2B5EF4-FFF2-40B4-BE49-F238E27FC236}">
+                <a16:creationId xmlns:a16="http://schemas.microsoft.com/office/drawing/2014/main" id="{4C5F3857-8842-4961-BE18-0482225D790C}"/>
+              </a:ext>
+            </a:extLst>
+          </p:cNvPr>
+          <p:cNvSpPr txBox="1"/>
+          <p:nvPr/>
+        </p:nvSpPr>
+        <p:spPr>
+          <a:xfrm>
+            <a:off x="5154491" y="1685631"/>
+            <a:ext cx="2249334" cy="461665"/>
+          </a:xfrm>
+          <a:prstGeom prst="rect">
             <a:avLst/>
           </a:prstGeom>
-        </p:spPr>
-        <p:style>
-          <a:lnRef idx="1">
-            <a:schemeClr val="accent5"/>
-          </a:lnRef>
-          <a:fillRef idx="2">
-            <a:schemeClr val="accent5"/>
-          </a:fillRef>
-          <a:effectRef idx="1">
-            <a:schemeClr val="accent5"/>
-          </a:effectRef>
-          <a:fontRef idx="minor">
-            <a:schemeClr val="dk1"/>
-          </a:fontRef>
-        </p:style>
-        <p:txBody>
-          <a:bodyPr rtlCol="0" anchor="ctr"/>
-          <a:lstStyle/>
-          <a:p>
-            <a:pPr algn="ctr"/>
-            <a:r>
-              <a:rPr lang="en-US" altLang="ko-KR" sz="1200" dirty="0"/>
-              <a:t>OX</a:t>
-            </a:r>
-            <a:endParaRPr lang="ko-KR" altLang="en-US" sz="1200" dirty="0"/>
-          </a:p>
-        </p:txBody>
-      </p:sp>
-      <p:sp>
-        <p:nvSpPr>
-          <p:cNvPr id="7" name="사각형: 둥근 모서리 6">
-            <a:extLst>
-              <a:ext uri="{FF2B5EF4-FFF2-40B4-BE49-F238E27FC236}">
-                <a16:creationId xmlns:a16="http://schemas.microsoft.com/office/drawing/2014/main" id="{8EB1D5F5-5ABA-4A66-AAF1-AE5544CB11AF}"/>
-              </a:ext>
-            </a:extLst>
-          </p:cNvPr>
-          <p:cNvSpPr/>
-          <p:nvPr/>
-        </p:nvSpPr>
-        <p:spPr>
-          <a:xfrm>
-            <a:off x="6408769" y="1982263"/>
-            <a:ext cx="792480" cy="918039"/>
-          </a:xfrm>
-          <a:prstGeom prst="roundRect">
-            <a:avLst/>
-          </a:prstGeom>
-        </p:spPr>
-        <p:style>
-          <a:lnRef idx="1">
-            <a:schemeClr val="accent5"/>
-          </a:lnRef>
-          <a:fillRef idx="2">
-            <a:schemeClr val="accent5"/>
-          </a:fillRef>
-          <a:effectRef idx="1">
-            <a:schemeClr val="accent5"/>
-          </a:effectRef>
-          <a:fontRef idx="minor">
-            <a:schemeClr val="dk1"/>
-          </a:fontRef>
-        </p:style>
-        <p:txBody>
-          <a:bodyPr rtlCol="0" anchor="ctr"/>
-          <a:lstStyle/>
-          <a:p>
-            <a:pPr algn="ctr"/>
-            <a:r>
-              <a:rPr lang="ko-KR" altLang="en-US" sz="1200" dirty="0"/>
-              <a:t>객관식</a:t>
-            </a:r>
-          </a:p>
-        </p:txBody>
-      </p:sp>
-      <p:sp>
-        <p:nvSpPr>
-          <p:cNvPr id="8" name="사각형: 둥근 모서리 7">
-            <a:extLst>
-              <a:ext uri="{FF2B5EF4-FFF2-40B4-BE49-F238E27FC236}">
-                <a16:creationId xmlns:a16="http://schemas.microsoft.com/office/drawing/2014/main" id="{09266BED-0FE3-4FB0-8B33-00CB80B3CB13}"/>
-              </a:ext>
-            </a:extLst>
-          </p:cNvPr>
-          <p:cNvSpPr/>
-          <p:nvPr/>
-        </p:nvSpPr>
-        <p:spPr>
-          <a:xfrm>
-            <a:off x="5356475" y="3102403"/>
-            <a:ext cx="792480" cy="918039"/>
-          </a:xfrm>
-          <a:prstGeom prst="roundRect">
-            <a:avLst/>
-          </a:prstGeom>
-        </p:spPr>
-        <p:style>
-          <a:lnRef idx="1">
-            <a:schemeClr val="accent5"/>
-          </a:lnRef>
-          <a:fillRef idx="2">
-            <a:schemeClr val="accent5"/>
-          </a:fillRef>
-          <a:effectRef idx="1">
-            <a:schemeClr val="accent5"/>
-          </a:effectRef>
-          <a:fontRef idx="minor">
-            <a:schemeClr val="dk1"/>
-          </a:fontRef>
-        </p:style>
-        <p:txBody>
-          <a:bodyPr rtlCol="0" anchor="ctr"/>
-          <a:lstStyle/>
-          <a:p>
-            <a:pPr algn="ctr"/>
-            <a:r>
-              <a:rPr lang="ko-KR" altLang="en-US" sz="1200" dirty="0"/>
-              <a:t>주관식</a:t>
-            </a:r>
-          </a:p>
-        </p:txBody>
-      </p:sp>
-      <p:sp>
-        <p:nvSpPr>
-          <p:cNvPr id="10" name="사각형: 둥근 모서리 9">
-            <a:extLst>
-              <a:ext uri="{FF2B5EF4-FFF2-40B4-BE49-F238E27FC236}">
-                <a16:creationId xmlns:a16="http://schemas.microsoft.com/office/drawing/2014/main" id="{B441AB2B-46C3-4904-9FAE-478B91A972AA}"/>
-              </a:ext>
-            </a:extLst>
-          </p:cNvPr>
-          <p:cNvSpPr/>
-          <p:nvPr/>
-        </p:nvSpPr>
-        <p:spPr>
-          <a:xfrm>
-            <a:off x="6408769" y="3110024"/>
-            <a:ext cx="792480" cy="918039"/>
-          </a:xfrm>
-          <a:prstGeom prst="roundRect">
-            <a:avLst/>
-          </a:prstGeom>
-        </p:spPr>
-        <p:style>
-          <a:lnRef idx="1">
-            <a:schemeClr val="accent5"/>
-          </a:lnRef>
-          <a:fillRef idx="2">
-            <a:schemeClr val="accent5"/>
-          </a:fillRef>
-          <a:effectRef idx="1">
-            <a:schemeClr val="accent5"/>
-          </a:effectRef>
-          <a:fontRef idx="minor">
-            <a:schemeClr val="dk1"/>
-          </a:fontRef>
-        </p:style>
-        <p:txBody>
-          <a:bodyPr rtlCol="0" anchor="ctr"/>
-          <a:lstStyle/>
-          <a:p>
-            <a:pPr algn="ctr"/>
-            <a:r>
-              <a:rPr lang="ko-KR" altLang="en-US" sz="1200" dirty="0"/>
-              <a:t>지문</a:t>
-            </a:r>
-          </a:p>
-        </p:txBody>
-      </p:sp>
-      <p:sp>
-        <p:nvSpPr>
-          <p:cNvPr id="12" name="사각형: 둥근 모서리 11">
-            <a:extLst>
-              <a:ext uri="{FF2B5EF4-FFF2-40B4-BE49-F238E27FC236}">
-                <a16:creationId xmlns:a16="http://schemas.microsoft.com/office/drawing/2014/main" id="{AB5AE329-DAE8-4DA2-A330-44519FB6B500}"/>
-              </a:ext>
-            </a:extLst>
-          </p:cNvPr>
-          <p:cNvSpPr/>
-          <p:nvPr/>
-        </p:nvSpPr>
-        <p:spPr>
-          <a:xfrm>
-            <a:off x="5551467" y="4187361"/>
-            <a:ext cx="1463774" cy="236562"/>
-          </a:xfrm>
-          <a:prstGeom prst="roundRect">
-            <a:avLst/>
-          </a:prstGeom>
-        </p:spPr>
-        <p:style>
-          <a:lnRef idx="2">
-            <a:schemeClr val="accent1">
-              <a:shade val="50000"/>
-            </a:schemeClr>
-          </a:lnRef>
-          <a:fillRef idx="1">
-            <a:schemeClr val="accent1"/>
-          </a:fillRef>
-          <a:effectRef idx="0">
-            <a:schemeClr val="accent1"/>
-          </a:effectRef>
-          <a:fontRef idx="minor">
-            <a:schemeClr val="lt1"/>
-          </a:fontRef>
-        </p:style>
-        <p:txBody>
-          <a:bodyPr rtlCol="0" anchor="ctr"/>
-          <a:lstStyle/>
-          <a:p>
-            <a:pPr algn="ctr"/>
-            <a:r>
-              <a:rPr lang="en-US" altLang="ko-KR" sz="900" dirty="0"/>
-              <a:t> </a:t>
-            </a:r>
-            <a:r>
-              <a:rPr lang="ko-KR" altLang="en-US" sz="900" dirty="0"/>
-              <a:t>저장</a:t>
+          <a:noFill/>
+        </p:spPr>
+        <p:txBody>
+          <a:bodyPr wrap="none" rtlCol="0">
+            <a:spAutoFit/>
+          </a:bodyPr>
+          <a:lstStyle/>
+          <a:p>
+            <a:r>
+              <a:rPr lang="ko-KR" altLang="en-US" sz="2400" b="1" dirty="0">
+                <a:solidFill>
+                  <a:schemeClr val="bg1"/>
+                </a:solidFill>
+              </a:rPr>
+              <a:t>다음 위치 사진</a:t>
             </a:r>
           </a:p>
         </p:txBody>
@@ -6082,16 +7013,16 @@
           <p:cNvPr id="13" name="폭발: 8pt 12">
             <a:extLst>
               <a:ext uri="{FF2B5EF4-FFF2-40B4-BE49-F238E27FC236}">
-                <a16:creationId xmlns:a16="http://schemas.microsoft.com/office/drawing/2014/main" id="{41B09E8D-6440-4798-AA9D-2BBB592CDE87}"/>
-              </a:ext>
-            </a:extLst>
-          </p:cNvPr>
-          <p:cNvSpPr/>
-          <p:nvPr/>
-        </p:nvSpPr>
-        <p:spPr>
-          <a:xfrm>
-            <a:off x="6540475" y="4124211"/>
+                <a16:creationId xmlns:a16="http://schemas.microsoft.com/office/drawing/2014/main" id="{5BB37D2D-1F76-413D-83AF-BDA77D7F94A2}"/>
+              </a:ext>
+            </a:extLst>
+          </p:cNvPr>
+          <p:cNvSpPr/>
+          <p:nvPr/>
+        </p:nvSpPr>
+        <p:spPr>
+          <a:xfrm>
+            <a:off x="5618418" y="5178722"/>
             <a:ext cx="474766" cy="474766"/>
           </a:xfrm>
           <a:prstGeom prst="irregularSeal1">
@@ -6132,7 +7063,7 @@
     </p:spTree>
     <p:extLst>
       <p:ext uri="{BB962C8B-B14F-4D97-AF65-F5344CB8AC3E}">
-        <p14:creationId xmlns:p14="http://schemas.microsoft.com/office/powerpoint/2010/main" val="3902423289"/>
+        <p14:creationId xmlns:p14="http://schemas.microsoft.com/office/powerpoint/2010/main" val="110729677"/>
       </p:ext>
     </p:extLst>
   </p:cSld>
@@ -6220,7 +7151,7 @@
 </p:sld>
 </file>
 
-<file path=ppt/slides/slide14.xml><?xml version="1.0" encoding="utf-8"?>
+<file path=ppt/slides/slide15.xml><?xml version="1.0" encoding="utf-8"?>
 <p:sld xmlns:a="http://schemas.openxmlformats.org/drawingml/2006/main" xmlns:r="http://schemas.openxmlformats.org/officeDocument/2006/relationships" xmlns:p="http://schemas.openxmlformats.org/presentationml/2006/main">
   <p:cSld>
     <p:spTree>
@@ -7008,7 +7939,7 @@
 </p:sld>
 </file>
 
-<file path=ppt/slides/slide15.xml><?xml version="1.0" encoding="utf-8"?>
+<file path=ppt/slides/slide16.xml><?xml version="1.0" encoding="utf-8"?>
 <p:sld xmlns:a="http://schemas.openxmlformats.org/drawingml/2006/main" xmlns:r="http://schemas.openxmlformats.org/officeDocument/2006/relationships" xmlns:p="http://schemas.openxmlformats.org/presentationml/2006/main">
   <p:cSld>
     <p:spTree>
@@ -7204,7 +8135,7 @@
 </p:sld>
 </file>
 
-<file path=ppt/slides/slide16.xml><?xml version="1.0" encoding="utf-8"?>
+<file path=ppt/slides/slide17.xml><?xml version="1.0" encoding="utf-8"?>
 <p:sld xmlns:a="http://schemas.openxmlformats.org/drawingml/2006/main" xmlns:r="http://schemas.openxmlformats.org/officeDocument/2006/relationships" xmlns:p="http://schemas.openxmlformats.org/presentationml/2006/main">
   <p:cSld>
     <p:spTree>
@@ -7400,7 +8331,7 @@
 </p:sld>
 </file>
 
-<file path=ppt/slides/slide17.xml><?xml version="1.0" encoding="utf-8"?>
+<file path=ppt/slides/slide18.xml><?xml version="1.0" encoding="utf-8"?>
 <p:sld xmlns:a="http://schemas.openxmlformats.org/drawingml/2006/main" xmlns:r="http://schemas.openxmlformats.org/officeDocument/2006/relationships" xmlns:p="http://schemas.openxmlformats.org/presentationml/2006/main">
   <p:cSld>
     <p:spTree>
